--- a/Documentation/Presentation/1_merfoldko.pptx
+++ b/Documentation/Presentation/1_merfoldko.pptx
@@ -219,7 +219,7 @@
           <a:p>
             <a:fld id="{805E24CE-8E3E-41FF-8A1D-C509D5242E30}" type="datetimeFigureOut">
               <a:rPr lang="hu-HU" smtClean="0"/>
-              <a:t>2018. 03. 06.</a:t>
+              <a:t>2018. 03. 08.</a:t>
             </a:fld>
             <a:endParaRPr lang="hu-HU"/>
           </a:p>
@@ -5838,7 +5838,7 @@
                 <a:latin typeface="Arial" pitchFamily="34" charset="0"/>
                 <a:cs typeface="Arial" pitchFamily="34" charset="0"/>
               </a:rPr>
-              <a:t>tulajdonságokar</a:t>
+              <a:t>tulajdonságokat</a:t>
             </a:r>
             <a:r>
               <a:rPr lang="en-US" sz="1800" dirty="0">
